--- a/项目管理-session one.pptx
+++ b/项目管理-session one.pptx
@@ -5195,9 +5195,20 @@
             <a:pPr lvl="1"/>
             <a:r>
               <a:rPr lang="zh-CN" altLang="en-US" dirty="0"/>
-              <a:t>推式沟通：</a:t>
-            </a:r>
-            <a:endParaRPr lang="en-US" altLang="zh-CN" dirty="0"/>
+              <a:t>推式沟通：需要接受信息的特定接收方发送信息，保证发出去，不保证接受和理解。典型推式沟通就是邮件</a:t>
+            </a:r>
+            <a:endParaRPr lang="en-US" altLang="zh-CN" dirty="0"/>
+          </a:p>
+          <a:p>
+            <a:pPr lvl="1"/>
+            <a:r>
+              <a:rPr lang="zh-CN" altLang="en-US" dirty="0"/>
+              <a:t>拉式沟通：适用于大量复杂信息或者大量受众群体的情况，如</a:t>
+            </a:r>
+            <a:r>
+              <a:rPr lang="en-US" altLang="zh-CN" dirty="0"/>
+              <a:t>wiki</a:t>
+            </a:r>
           </a:p>
           <a:p>
             <a:endParaRPr lang="en-US" altLang="zh-CN" dirty="0"/>
